--- a/Capstone Presentation.pptx
+++ b/Capstone Presentation.pptx
@@ -12,9 +12,17 @@
     <p:sldId id="260" r:id="rId6"/>
     <p:sldId id="261" r:id="rId7"/>
     <p:sldId id="264" r:id="rId8"/>
-    <p:sldId id="265" r:id="rId9"/>
-    <p:sldId id="266" r:id="rId10"/>
-    <p:sldId id="267" r:id="rId11"/>
+    <p:sldId id="266" r:id="rId9"/>
+    <p:sldId id="268" r:id="rId10"/>
+    <p:sldId id="269" r:id="rId11"/>
+    <p:sldId id="270" r:id="rId12"/>
+    <p:sldId id="271" r:id="rId13"/>
+    <p:sldId id="273" r:id="rId14"/>
+    <p:sldId id="274" r:id="rId15"/>
+    <p:sldId id="275" r:id="rId16"/>
+    <p:sldId id="276" r:id="rId17"/>
+    <p:sldId id="277" r:id="rId18"/>
+    <p:sldId id="278" r:id="rId19"/>
   </p:sldIdLst>
   <p:sldSz cx="12192000" cy="6858000"/>
   <p:notesSz cx="6858000" cy="9144000"/>
@@ -113,6 +121,11 @@
       </a:defRPr>
     </a:lvl9pPr>
   </p:defaultTextStyle>
+  <p:extLst>
+    <p:ext uri="{EFAFB233-063F-42B5-8137-9DF3F51BA10A}">
+      <p15:sldGuideLst xmlns:p15="http://schemas.microsoft.com/office/powerpoint/2012/main"/>
+    </p:ext>
+  </p:extLst>
 </p:presentation>
 </file>
 
@@ -284,7 +297,7 @@
           <a:p>
             <a:fld id="{6499A676-95CD-4493-84BA-A4B47769D928}" type="datetimeFigureOut">
               <a:rPr lang="en-CA" smtClean="0"/>
-              <a:t>2016-05-31</a:t>
+              <a:t>2016-06-29</a:t>
             </a:fld>
             <a:endParaRPr lang="en-CA"/>
           </a:p>
@@ -512,7 +525,7 @@
           <a:p>
             <a:fld id="{6499A676-95CD-4493-84BA-A4B47769D928}" type="datetimeFigureOut">
               <a:rPr lang="en-CA" smtClean="0"/>
-              <a:t>2016-05-31</a:t>
+              <a:t>2016-06-29</a:t>
             </a:fld>
             <a:endParaRPr lang="en-CA"/>
           </a:p>
@@ -692,7 +705,7 @@
           <a:p>
             <a:fld id="{6499A676-95CD-4493-84BA-A4B47769D928}" type="datetimeFigureOut">
               <a:rPr lang="en-CA" smtClean="0"/>
-              <a:t>2016-05-31</a:t>
+              <a:t>2016-06-29</a:t>
             </a:fld>
             <a:endParaRPr lang="en-CA"/>
           </a:p>
@@ -862,7 +875,7 @@
           <a:p>
             <a:fld id="{6499A676-95CD-4493-84BA-A4B47769D928}" type="datetimeFigureOut">
               <a:rPr lang="en-CA" smtClean="0"/>
-              <a:t>2016-05-31</a:t>
+              <a:t>2016-06-29</a:t>
             </a:fld>
             <a:endParaRPr lang="en-CA"/>
           </a:p>
@@ -1116,7 +1129,7 @@
           <a:p>
             <a:fld id="{6499A676-95CD-4493-84BA-A4B47769D928}" type="datetimeFigureOut">
               <a:rPr lang="en-CA" smtClean="0"/>
-              <a:t>2016-05-31</a:t>
+              <a:t>2016-06-29</a:t>
             </a:fld>
             <a:endParaRPr lang="en-CA"/>
           </a:p>
@@ -1442,7 +1455,7 @@
           <a:p>
             <a:fld id="{6499A676-95CD-4493-84BA-A4B47769D928}" type="datetimeFigureOut">
               <a:rPr lang="en-CA" smtClean="0"/>
-              <a:t>2016-05-31</a:t>
+              <a:t>2016-06-29</a:t>
             </a:fld>
             <a:endParaRPr lang="en-CA"/>
           </a:p>
@@ -1893,7 +1906,7 @@
           <a:p>
             <a:fld id="{6499A676-95CD-4493-84BA-A4B47769D928}" type="datetimeFigureOut">
               <a:rPr lang="en-CA" smtClean="0"/>
-              <a:t>2016-05-31</a:t>
+              <a:t>2016-06-29</a:t>
             </a:fld>
             <a:endParaRPr lang="en-CA"/>
           </a:p>
@@ -2011,7 +2024,7 @@
           <a:p>
             <a:fld id="{6499A676-95CD-4493-84BA-A4B47769D928}" type="datetimeFigureOut">
               <a:rPr lang="en-CA" smtClean="0"/>
-              <a:t>2016-05-31</a:t>
+              <a:t>2016-06-29</a:t>
             </a:fld>
             <a:endParaRPr lang="en-CA"/>
           </a:p>
@@ -2106,7 +2119,7 @@
           <a:p>
             <a:fld id="{6499A676-95CD-4493-84BA-A4B47769D928}" type="datetimeFigureOut">
               <a:rPr lang="en-CA" smtClean="0"/>
-              <a:t>2016-05-31</a:t>
+              <a:t>2016-06-29</a:t>
             </a:fld>
             <a:endParaRPr lang="en-CA"/>
           </a:p>
@@ -2393,7 +2406,7 @@
           <a:p>
             <a:fld id="{6499A676-95CD-4493-84BA-A4B47769D928}" type="datetimeFigureOut">
               <a:rPr lang="en-CA" smtClean="0"/>
-              <a:t>2016-05-31</a:t>
+              <a:t>2016-06-29</a:t>
             </a:fld>
             <a:endParaRPr lang="en-CA"/>
           </a:p>
@@ -2715,7 +2728,7 @@
           <a:p>
             <a:fld id="{6499A676-95CD-4493-84BA-A4B47769D928}" type="datetimeFigureOut">
               <a:rPr lang="en-CA" smtClean="0"/>
-              <a:t>2016-05-31</a:t>
+              <a:t>2016-06-29</a:t>
             </a:fld>
             <a:endParaRPr lang="en-CA"/>
           </a:p>
@@ -2969,7 +2982,7 @@
           <a:p>
             <a:fld id="{6499A676-95CD-4493-84BA-A4B47769D928}" type="datetimeFigureOut">
               <a:rPr lang="en-CA" smtClean="0"/>
-              <a:t>2016-05-31</a:t>
+              <a:t>2016-06-29</a:t>
             </a:fld>
             <a:endParaRPr lang="en-CA"/>
           </a:p>
@@ -3474,7 +3487,7 @@
           <a:p>
             <a:r>
               <a:rPr lang="en-CA" dirty="0" smtClean="0"/>
-              <a:t>Movie Recommender System</a:t>
+              <a:t>User-Customizable Movie Recommender System</a:t>
             </a:r>
             <a:endParaRPr lang="en-CA" dirty="0"/>
           </a:p>
@@ -3547,59 +3560,1015 @@
         </p:nvSpPr>
         <p:spPr/>
         <p:txBody>
+          <a:bodyPr>
+            <a:normAutofit/>
+          </a:bodyPr>
+          <a:lstStyle/>
+          <a:p>
+            <a:r>
+              <a:rPr lang="en-CA" dirty="0" smtClean="0"/>
+              <a:t>A filter can be applied, removing movies that don’t meet the criteria</a:t>
+            </a:r>
+            <a:endParaRPr lang="en-CA" dirty="0"/>
+          </a:p>
+        </p:txBody>
+      </p:sp>
+      <p:sp>
+        <p:nvSpPr>
+          <p:cNvPr id="3" name="Content Placeholder 2"/>
+          <p:cNvSpPr>
+            <a:spLocks noGrp="1"/>
+          </p:cNvSpPr>
+          <p:nvPr>
+            <p:ph idx="1"/>
+          </p:nvPr>
+        </p:nvSpPr>
+        <p:spPr/>
+        <p:txBody>
           <a:bodyPr/>
           <a:lstStyle/>
           <a:p>
             <a:r>
               <a:rPr lang="en-CA" dirty="0" smtClean="0"/>
-              <a:t>There is still space for improvement.</a:t>
+              <a:t>Applying a filter may be too steep a penalty</a:t>
+            </a:r>
+          </a:p>
+          <a:p>
+            <a:pPr lvl="1"/>
+            <a:r>
+              <a:rPr lang="en-CA" dirty="0" smtClean="0"/>
+              <a:t>Example: Adding ‘Children’ to the filter removes the other 2 Harry Potter movies</a:t>
             </a:r>
             <a:endParaRPr lang="en-CA" dirty="0"/>
           </a:p>
         </p:txBody>
       </p:sp>
-      <p:sp>
-        <p:nvSpPr>
-          <p:cNvPr id="3" name="Content Placeholder 2"/>
-          <p:cNvSpPr>
-            <a:spLocks noGrp="1"/>
-          </p:cNvSpPr>
-          <p:nvPr>
-            <p:ph idx="1"/>
-          </p:nvPr>
-        </p:nvSpPr>
-        <p:spPr/>
-        <p:txBody>
-          <a:bodyPr/>
-          <a:lstStyle/>
-          <a:p>
-            <a:r>
-              <a:rPr lang="en-CA" dirty="0" smtClean="0"/>
-              <a:t>Computational and time constraints limited the dataset I could build the model from</a:t>
-            </a:r>
-          </a:p>
-          <a:p>
-            <a:endParaRPr lang="en-CA" dirty="0"/>
-          </a:p>
-          <a:p>
-            <a:r>
-              <a:rPr lang="en-CA" dirty="0" smtClean="0"/>
-              <a:t>The list of similar movies can be improved by rewarding ‘genre similarity’ to reduce the occurrence of questionable movie similarities</a:t>
-            </a:r>
-          </a:p>
-          <a:p>
-            <a:pPr lvl="1"/>
-            <a:r>
-              <a:rPr lang="en-CA" dirty="0" smtClean="0"/>
-              <a:t>Example: “L.A. Confidential” doesn’t seem very similar to “Harry Potter and the Philosopher’s Stone”</a:t>
-            </a:r>
-          </a:p>
-        </p:txBody>
-      </p:sp>
+      <p:pic>
+        <p:nvPicPr>
+          <p:cNvPr id="5" name="Picture 4"/>
+          <p:cNvPicPr/>
+          <p:nvPr/>
+        </p:nvPicPr>
+        <p:blipFill>
+          <a:blip r:embed="rId2">
+            <a:extLst>
+              <a:ext uri="{28A0092B-C50C-407E-A947-70E740481C1C}">
+                <a14:useLocalDpi xmlns:a14="http://schemas.microsoft.com/office/drawing/2010/main" val="0"/>
+              </a:ext>
+            </a:extLst>
+          </a:blip>
+          <a:srcRect/>
+          <a:stretch>
+            <a:fillRect/>
+          </a:stretch>
+        </p:blipFill>
+        <p:spPr bwMode="auto">
+          <a:xfrm>
+            <a:off x="1261872" y="2535810"/>
+            <a:ext cx="8595360" cy="3644326"/>
+          </a:xfrm>
+          <a:prstGeom prst="rect">
+            <a:avLst/>
+          </a:prstGeom>
+          <a:noFill/>
+          <a:ln>
+            <a:noFill/>
+          </a:ln>
+        </p:spPr>
+      </p:pic>
     </p:spTree>
     <p:extLst>
       <p:ext uri="{BB962C8B-B14F-4D97-AF65-F5344CB8AC3E}">
-        <p14:creationId xmlns:p14="http://schemas.microsoft.com/office/powerpoint/2010/main" val="2987107060"/>
+        <p14:creationId xmlns:p14="http://schemas.microsoft.com/office/powerpoint/2010/main" val="1570420932"/>
+      </p:ext>
+    </p:extLst>
+  </p:cSld>
+  <p:clrMapOvr>
+    <a:masterClrMapping/>
+  </p:clrMapOvr>
+</p:sld>
+</file>
+
+<file path=ppt/slides/slide11.xml><?xml version="1.0" encoding="utf-8"?>
+<p:sld xmlns:a="http://schemas.openxmlformats.org/drawingml/2006/main" xmlns:r="http://schemas.openxmlformats.org/officeDocument/2006/relationships" xmlns:p="http://schemas.openxmlformats.org/presentationml/2006/main">
+  <p:cSld>
+    <p:spTree>
+      <p:nvGrpSpPr>
+        <p:cNvPr id="1" name=""/>
+        <p:cNvGrpSpPr/>
+        <p:nvPr/>
+      </p:nvGrpSpPr>
+      <p:grpSpPr>
+        <a:xfrm>
+          <a:off x="0" y="0"/>
+          <a:ext cx="0" cy="0"/>
+          <a:chOff x="0" y="0"/>
+          <a:chExt cx="0" cy="0"/>
+        </a:xfrm>
+      </p:grpSpPr>
+      <p:sp>
+        <p:nvSpPr>
+          <p:cNvPr id="2" name="Title 1"/>
+          <p:cNvSpPr>
+            <a:spLocks noGrp="1"/>
+          </p:cNvSpPr>
+          <p:nvPr>
+            <p:ph type="title"/>
+          </p:nvPr>
+        </p:nvSpPr>
+        <p:spPr/>
+        <p:txBody>
+          <a:bodyPr>
+            <a:normAutofit fontScale="90000"/>
+          </a:bodyPr>
+          <a:lstStyle/>
+          <a:p>
+            <a:r>
+              <a:rPr lang="en-CA" dirty="0" smtClean="0"/>
+              <a:t>Enhancing recommendations with a genre similarity score may be preferred</a:t>
+            </a:r>
+            <a:endParaRPr lang="en-CA" dirty="0"/>
+          </a:p>
+        </p:txBody>
+      </p:sp>
+      <p:sp>
+        <p:nvSpPr>
+          <p:cNvPr id="3" name="Content Placeholder 2"/>
+          <p:cNvSpPr>
+            <a:spLocks noGrp="1"/>
+          </p:cNvSpPr>
+          <p:nvPr>
+            <p:ph idx="1"/>
+          </p:nvPr>
+        </p:nvSpPr>
+        <p:spPr/>
+        <p:txBody>
+          <a:bodyPr/>
+          <a:lstStyle/>
+          <a:p>
+            <a:r>
+              <a:rPr lang="en-CA" dirty="0" smtClean="0"/>
+              <a:t>Genre similarity score: Percent of target movie’s genres that are also in the other movie’s genres</a:t>
+            </a:r>
+          </a:p>
+          <a:p>
+            <a:r>
+              <a:rPr lang="en-CA" dirty="0" smtClean="0"/>
+              <a:t>Genre similarity score is multiplied by a weight constant, then deducted from the distance</a:t>
+            </a:r>
+          </a:p>
+        </p:txBody>
+      </p:sp>
+      <p:pic>
+        <p:nvPicPr>
+          <p:cNvPr id="5" name="Picture 4"/>
+          <p:cNvPicPr/>
+          <p:nvPr/>
+        </p:nvPicPr>
+        <p:blipFill>
+          <a:blip r:embed="rId2">
+            <a:extLst>
+              <a:ext uri="{28A0092B-C50C-407E-A947-70E740481C1C}">
+                <a14:useLocalDpi xmlns:a14="http://schemas.microsoft.com/office/drawing/2010/main" val="0"/>
+              </a:ext>
+            </a:extLst>
+          </a:blip>
+          <a:srcRect/>
+          <a:stretch>
+            <a:fillRect/>
+          </a:stretch>
+        </p:blipFill>
+        <p:spPr bwMode="auto">
+          <a:xfrm>
+            <a:off x="1261872" y="3157981"/>
+            <a:ext cx="8595360" cy="3323814"/>
+          </a:xfrm>
+          <a:prstGeom prst="rect">
+            <a:avLst/>
+          </a:prstGeom>
+          <a:noFill/>
+          <a:ln>
+            <a:noFill/>
+          </a:ln>
+        </p:spPr>
+      </p:pic>
+    </p:spTree>
+    <p:extLst>
+      <p:ext uri="{BB962C8B-B14F-4D97-AF65-F5344CB8AC3E}">
+        <p14:creationId xmlns:p14="http://schemas.microsoft.com/office/powerpoint/2010/main" val="1197727501"/>
+      </p:ext>
+    </p:extLst>
+  </p:cSld>
+  <p:clrMapOvr>
+    <a:masterClrMapping/>
+  </p:clrMapOvr>
+</p:sld>
+</file>
+
+<file path=ppt/slides/slide12.xml><?xml version="1.0" encoding="utf-8"?>
+<p:sld xmlns:a="http://schemas.openxmlformats.org/drawingml/2006/main" xmlns:r="http://schemas.openxmlformats.org/officeDocument/2006/relationships" xmlns:p="http://schemas.openxmlformats.org/presentationml/2006/main">
+  <p:cSld>
+    <p:spTree>
+      <p:nvGrpSpPr>
+        <p:cNvPr id="1" name=""/>
+        <p:cNvGrpSpPr/>
+        <p:nvPr/>
+      </p:nvGrpSpPr>
+      <p:grpSpPr>
+        <a:xfrm>
+          <a:off x="0" y="0"/>
+          <a:ext cx="0" cy="0"/>
+          <a:chOff x="0" y="0"/>
+          <a:chExt cx="0" cy="0"/>
+        </a:xfrm>
+      </p:grpSpPr>
+      <p:sp>
+        <p:nvSpPr>
+          <p:cNvPr id="2" name="Title 1"/>
+          <p:cNvSpPr>
+            <a:spLocks noGrp="1"/>
+          </p:cNvSpPr>
+          <p:nvPr>
+            <p:ph type="title"/>
+          </p:nvPr>
+        </p:nvSpPr>
+        <p:spPr/>
+        <p:txBody>
+          <a:bodyPr>
+            <a:normAutofit fontScale="90000"/>
+          </a:bodyPr>
+          <a:lstStyle/>
+          <a:p>
+            <a:r>
+              <a:rPr lang="en-CA" dirty="0" smtClean="0"/>
+              <a:t>A high weight constant can drastically alter the recommendations</a:t>
+            </a:r>
+            <a:endParaRPr lang="en-CA" dirty="0"/>
+          </a:p>
+        </p:txBody>
+      </p:sp>
+      <p:sp>
+        <p:nvSpPr>
+          <p:cNvPr id="3" name="Content Placeholder 2"/>
+          <p:cNvSpPr>
+            <a:spLocks noGrp="1"/>
+          </p:cNvSpPr>
+          <p:nvPr>
+            <p:ph idx="1"/>
+          </p:nvPr>
+        </p:nvSpPr>
+        <p:spPr/>
+        <p:txBody>
+          <a:bodyPr/>
+          <a:lstStyle/>
+          <a:p>
+            <a:r>
+              <a:rPr lang="en-CA" dirty="0"/>
+              <a:t>User can change the weight constant to alter how much emphasis is given to the genre similarity score</a:t>
+            </a:r>
+          </a:p>
+          <a:p>
+            <a:endParaRPr lang="en-CA" dirty="0"/>
+          </a:p>
+        </p:txBody>
+      </p:sp>
+      <p:pic>
+        <p:nvPicPr>
+          <p:cNvPr id="5" name="Picture 4"/>
+          <p:cNvPicPr/>
+          <p:nvPr/>
+        </p:nvPicPr>
+        <p:blipFill>
+          <a:blip r:embed="rId2">
+            <a:extLst>
+              <a:ext uri="{28A0092B-C50C-407E-A947-70E740481C1C}">
+                <a14:useLocalDpi xmlns:a14="http://schemas.microsoft.com/office/drawing/2010/main" val="0"/>
+              </a:ext>
+            </a:extLst>
+          </a:blip>
+          <a:srcRect/>
+          <a:stretch>
+            <a:fillRect/>
+          </a:stretch>
+        </p:blipFill>
+        <p:spPr bwMode="auto">
+          <a:xfrm>
+            <a:off x="1261872" y="2441543"/>
+            <a:ext cx="8595360" cy="3738594"/>
+          </a:xfrm>
+          <a:prstGeom prst="rect">
+            <a:avLst/>
+          </a:prstGeom>
+          <a:noFill/>
+          <a:ln>
+            <a:noFill/>
+          </a:ln>
+        </p:spPr>
+      </p:pic>
+    </p:spTree>
+    <p:extLst>
+      <p:ext uri="{BB962C8B-B14F-4D97-AF65-F5344CB8AC3E}">
+        <p14:creationId xmlns:p14="http://schemas.microsoft.com/office/powerpoint/2010/main" val="1678279065"/>
+      </p:ext>
+    </p:extLst>
+  </p:cSld>
+  <p:clrMapOvr>
+    <a:masterClrMapping/>
+  </p:clrMapOvr>
+</p:sld>
+</file>
+
+<file path=ppt/slides/slide13.xml><?xml version="1.0" encoding="utf-8"?>
+<p:sld xmlns:a="http://schemas.openxmlformats.org/drawingml/2006/main" xmlns:r="http://schemas.openxmlformats.org/officeDocument/2006/relationships" xmlns:p="http://schemas.openxmlformats.org/presentationml/2006/main">
+  <p:cSld>
+    <p:spTree>
+      <p:nvGrpSpPr>
+        <p:cNvPr id="1" name=""/>
+        <p:cNvGrpSpPr/>
+        <p:nvPr/>
+      </p:nvGrpSpPr>
+      <p:grpSpPr>
+        <a:xfrm>
+          <a:off x="0" y="0"/>
+          <a:ext cx="0" cy="0"/>
+          <a:chOff x="0" y="0"/>
+          <a:chExt cx="0" cy="0"/>
+        </a:xfrm>
+      </p:grpSpPr>
+      <p:sp>
+        <p:nvSpPr>
+          <p:cNvPr id="2" name="Title 1"/>
+          <p:cNvSpPr>
+            <a:spLocks noGrp="1"/>
+          </p:cNvSpPr>
+          <p:nvPr>
+            <p:ph type="title"/>
+          </p:nvPr>
+        </p:nvSpPr>
+        <p:spPr/>
+        <p:txBody>
+          <a:bodyPr/>
+          <a:lstStyle/>
+          <a:p>
+            <a:r>
+              <a:rPr lang="en-CA" dirty="0"/>
+              <a:t>A genre overlap score would be more flexible than the similarity score</a:t>
+            </a:r>
+          </a:p>
+        </p:txBody>
+      </p:sp>
+      <p:sp>
+        <p:nvSpPr>
+          <p:cNvPr id="3" name="Content Placeholder 2"/>
+          <p:cNvSpPr>
+            <a:spLocks noGrp="1"/>
+          </p:cNvSpPr>
+          <p:nvPr>
+            <p:ph idx="1"/>
+          </p:nvPr>
+        </p:nvSpPr>
+        <p:spPr/>
+        <p:txBody>
+          <a:bodyPr/>
+          <a:lstStyle/>
+          <a:p>
+            <a:r>
+              <a:rPr lang="en-CA" dirty="0" smtClean="0"/>
+              <a:t>Genre similarity assumes no relationship between two different genres</a:t>
+            </a:r>
+          </a:p>
+          <a:p>
+            <a:pPr lvl="1"/>
+            <a:r>
+              <a:rPr lang="en-CA" dirty="0" smtClean="0"/>
+              <a:t>Very strong distance reduction for movies with at least one common genre</a:t>
+            </a:r>
+          </a:p>
+          <a:p>
+            <a:pPr lvl="1"/>
+            <a:r>
+              <a:rPr lang="en-CA" dirty="0" smtClean="0"/>
+              <a:t>Movies without common genres have no change in their distance</a:t>
+            </a:r>
+          </a:p>
+          <a:p>
+            <a:pPr lvl="1"/>
+            <a:endParaRPr lang="en-CA" dirty="0"/>
+          </a:p>
+          <a:p>
+            <a:r>
+              <a:rPr lang="en-CA" dirty="0" smtClean="0"/>
+              <a:t>Genre overlap assumes a relationship between two different genres</a:t>
+            </a:r>
+          </a:p>
+          <a:p>
+            <a:pPr lvl="1"/>
+            <a:r>
+              <a:rPr lang="en-CA" dirty="0" smtClean="0"/>
+              <a:t>Relationship quantified by genre metadata (heat map, slide 6)</a:t>
+            </a:r>
+            <a:endParaRPr lang="en-CA" dirty="0"/>
+          </a:p>
+        </p:txBody>
+      </p:sp>
+      <p:pic>
+        <p:nvPicPr>
+          <p:cNvPr id="5" name="Picture 4"/>
+          <p:cNvPicPr>
+            <a:picLocks noChangeAspect="1"/>
+          </p:cNvPicPr>
+          <p:nvPr/>
+        </p:nvPicPr>
+        <p:blipFill>
+          <a:blip r:embed="rId2"/>
+          <a:stretch>
+            <a:fillRect/>
+          </a:stretch>
+        </p:blipFill>
+        <p:spPr>
+          <a:xfrm>
+            <a:off x="2641226" y="3799735"/>
+            <a:ext cx="5836652" cy="1601826"/>
+          </a:xfrm>
+          <a:prstGeom prst="rect">
+            <a:avLst/>
+          </a:prstGeom>
+        </p:spPr>
+      </p:pic>
+      <p:pic>
+        <p:nvPicPr>
+          <p:cNvPr id="7" name="Picture 6"/>
+          <p:cNvPicPr>
+            <a:picLocks noChangeAspect="1"/>
+          </p:cNvPicPr>
+          <p:nvPr/>
+        </p:nvPicPr>
+        <p:blipFill>
+          <a:blip r:embed="rId3"/>
+          <a:stretch>
+            <a:fillRect/>
+          </a:stretch>
+        </p:blipFill>
+        <p:spPr>
+          <a:xfrm>
+            <a:off x="4043837" y="5401561"/>
+            <a:ext cx="2880602" cy="916054"/>
+          </a:xfrm>
+          <a:prstGeom prst="rect">
+            <a:avLst/>
+          </a:prstGeom>
+        </p:spPr>
+      </p:pic>
+    </p:spTree>
+    <p:extLst>
+      <p:ext uri="{BB962C8B-B14F-4D97-AF65-F5344CB8AC3E}">
+        <p14:creationId xmlns:p14="http://schemas.microsoft.com/office/powerpoint/2010/main" val="3712062793"/>
+      </p:ext>
+    </p:extLst>
+  </p:cSld>
+  <p:clrMapOvr>
+    <a:masterClrMapping/>
+  </p:clrMapOvr>
+</p:sld>
+</file>
+
+<file path=ppt/slides/slide14.xml><?xml version="1.0" encoding="utf-8"?>
+<p:sld xmlns:a="http://schemas.openxmlformats.org/drawingml/2006/main" xmlns:r="http://schemas.openxmlformats.org/officeDocument/2006/relationships" xmlns:p="http://schemas.openxmlformats.org/presentationml/2006/main">
+  <p:cSld>
+    <p:spTree>
+      <p:nvGrpSpPr>
+        <p:cNvPr id="1" name=""/>
+        <p:cNvGrpSpPr/>
+        <p:nvPr/>
+      </p:nvGrpSpPr>
+      <p:grpSpPr>
+        <a:xfrm>
+          <a:off x="0" y="0"/>
+          <a:ext cx="0" cy="0"/>
+          <a:chOff x="0" y="0"/>
+          <a:chExt cx="0" cy="0"/>
+        </a:xfrm>
+      </p:grpSpPr>
+      <p:sp>
+        <p:nvSpPr>
+          <p:cNvPr id="2" name="Title 1"/>
+          <p:cNvSpPr>
+            <a:spLocks noGrp="1"/>
+          </p:cNvSpPr>
+          <p:nvPr>
+            <p:ph type="title"/>
+          </p:nvPr>
+        </p:nvSpPr>
+        <p:spPr/>
+        <p:txBody>
+          <a:bodyPr>
+            <a:normAutofit fontScale="90000"/>
+          </a:bodyPr>
+          <a:lstStyle/>
+          <a:p>
+            <a:r>
+              <a:rPr lang="en-CA" dirty="0" smtClean="0"/>
+              <a:t>Genre overlap also allows the user to control the emphasis placed on genres</a:t>
+            </a:r>
+            <a:endParaRPr lang="en-CA" dirty="0"/>
+          </a:p>
+        </p:txBody>
+      </p:sp>
+      <p:sp>
+        <p:nvSpPr>
+          <p:cNvPr id="3" name="Content Placeholder 2"/>
+          <p:cNvSpPr>
+            <a:spLocks noGrp="1"/>
+          </p:cNvSpPr>
+          <p:nvPr>
+            <p:ph idx="1"/>
+          </p:nvPr>
+        </p:nvSpPr>
+        <p:spPr/>
+        <p:txBody>
+          <a:bodyPr/>
+          <a:lstStyle/>
+          <a:p>
+            <a:endParaRPr lang="en-CA" dirty="0"/>
+          </a:p>
+        </p:txBody>
+      </p:sp>
+      <p:pic>
+        <p:nvPicPr>
+          <p:cNvPr id="4" name="Picture 3"/>
+          <p:cNvPicPr/>
+          <p:nvPr/>
+        </p:nvPicPr>
+        <p:blipFill>
+          <a:blip r:embed="rId2">
+            <a:extLst>
+              <a:ext uri="{28A0092B-C50C-407E-A947-70E740481C1C}">
+                <a14:useLocalDpi xmlns:a14="http://schemas.microsoft.com/office/drawing/2010/main" val="0"/>
+              </a:ext>
+            </a:extLst>
+          </a:blip>
+          <a:srcRect/>
+          <a:stretch>
+            <a:fillRect/>
+          </a:stretch>
+        </p:blipFill>
+        <p:spPr bwMode="auto">
+          <a:xfrm>
+            <a:off x="1261872" y="1828799"/>
+            <a:ext cx="8595360" cy="4351337"/>
+          </a:xfrm>
+          <a:prstGeom prst="rect">
+            <a:avLst/>
+          </a:prstGeom>
+          <a:noFill/>
+          <a:ln>
+            <a:noFill/>
+          </a:ln>
+        </p:spPr>
+      </p:pic>
+    </p:spTree>
+    <p:extLst>
+      <p:ext uri="{BB962C8B-B14F-4D97-AF65-F5344CB8AC3E}">
+        <p14:creationId xmlns:p14="http://schemas.microsoft.com/office/powerpoint/2010/main" val="2097423684"/>
+      </p:ext>
+    </p:extLst>
+  </p:cSld>
+  <p:clrMapOvr>
+    <a:masterClrMapping/>
+  </p:clrMapOvr>
+</p:sld>
+</file>
+
+<file path=ppt/slides/slide15.xml><?xml version="1.0" encoding="utf-8"?>
+<p:sld xmlns:a="http://schemas.openxmlformats.org/drawingml/2006/main" xmlns:r="http://schemas.openxmlformats.org/officeDocument/2006/relationships" xmlns:p="http://schemas.openxmlformats.org/presentationml/2006/main">
+  <p:cSld>
+    <p:spTree>
+      <p:nvGrpSpPr>
+        <p:cNvPr id="1" name=""/>
+        <p:cNvGrpSpPr/>
+        <p:nvPr/>
+      </p:nvGrpSpPr>
+      <p:grpSpPr>
+        <a:xfrm>
+          <a:off x="0" y="0"/>
+          <a:ext cx="0" cy="0"/>
+          <a:chOff x="0" y="0"/>
+          <a:chExt cx="0" cy="0"/>
+        </a:xfrm>
+      </p:grpSpPr>
+      <p:sp>
+        <p:nvSpPr>
+          <p:cNvPr id="2" name="Title 1"/>
+          <p:cNvSpPr>
+            <a:spLocks noGrp="1"/>
+          </p:cNvSpPr>
+          <p:nvPr>
+            <p:ph type="title"/>
+          </p:nvPr>
+        </p:nvSpPr>
+        <p:spPr/>
+        <p:txBody>
+          <a:bodyPr>
+            <a:normAutofit fontScale="90000"/>
+          </a:bodyPr>
+          <a:lstStyle/>
+          <a:p>
+            <a:r>
+              <a:rPr lang="en-CA" dirty="0"/>
+              <a:t>U</a:t>
+            </a:r>
+            <a:r>
+              <a:rPr lang="en-CA" dirty="0" smtClean="0"/>
+              <a:t>sers may also want to tune their recommendations based on release dates</a:t>
+            </a:r>
+            <a:endParaRPr lang="en-CA" dirty="0"/>
+          </a:p>
+        </p:txBody>
+      </p:sp>
+      <p:sp>
+        <p:nvSpPr>
+          <p:cNvPr id="3" name="Content Placeholder 2"/>
+          <p:cNvSpPr>
+            <a:spLocks noGrp="1"/>
+          </p:cNvSpPr>
+          <p:nvPr>
+            <p:ph idx="1"/>
+          </p:nvPr>
+        </p:nvSpPr>
+        <p:spPr/>
+        <p:txBody>
+          <a:bodyPr/>
+          <a:lstStyle/>
+          <a:p>
+            <a:r>
+              <a:rPr lang="en-CA" dirty="0" smtClean="0"/>
+              <a:t>Absolute difference in release year is multiplied by a weight constant (user controlled) and added to the distance</a:t>
+            </a:r>
+            <a:endParaRPr lang="en-CA" dirty="0"/>
+          </a:p>
+        </p:txBody>
+      </p:sp>
+      <p:pic>
+        <p:nvPicPr>
+          <p:cNvPr id="4" name="Picture 3"/>
+          <p:cNvPicPr/>
+          <p:nvPr/>
+        </p:nvPicPr>
+        <p:blipFill>
+          <a:blip r:embed="rId2">
+            <a:extLst>
+              <a:ext uri="{28A0092B-C50C-407E-A947-70E740481C1C}">
+                <a14:useLocalDpi xmlns:a14="http://schemas.microsoft.com/office/drawing/2010/main" val="0"/>
+              </a:ext>
+            </a:extLst>
+          </a:blip>
+          <a:srcRect/>
+          <a:stretch>
+            <a:fillRect/>
+          </a:stretch>
+        </p:blipFill>
+        <p:spPr bwMode="auto">
+          <a:xfrm>
+            <a:off x="1261872" y="2460396"/>
+            <a:ext cx="8595360" cy="3719740"/>
+          </a:xfrm>
+          <a:prstGeom prst="rect">
+            <a:avLst/>
+          </a:prstGeom>
+          <a:noFill/>
+          <a:ln>
+            <a:noFill/>
+          </a:ln>
+        </p:spPr>
+      </p:pic>
+    </p:spTree>
+    <p:extLst>
+      <p:ext uri="{BB962C8B-B14F-4D97-AF65-F5344CB8AC3E}">
+        <p14:creationId xmlns:p14="http://schemas.microsoft.com/office/powerpoint/2010/main" val="453009312"/>
+      </p:ext>
+    </p:extLst>
+  </p:cSld>
+  <p:clrMapOvr>
+    <a:masterClrMapping/>
+  </p:clrMapOvr>
+</p:sld>
+</file>
+
+<file path=ppt/slides/slide16.xml><?xml version="1.0" encoding="utf-8"?>
+<p:sld xmlns:a="http://schemas.openxmlformats.org/drawingml/2006/main" xmlns:r="http://schemas.openxmlformats.org/officeDocument/2006/relationships" xmlns:p="http://schemas.openxmlformats.org/presentationml/2006/main">
+  <p:cSld>
+    <p:spTree>
+      <p:nvGrpSpPr>
+        <p:cNvPr id="1" name=""/>
+        <p:cNvGrpSpPr/>
+        <p:nvPr/>
+      </p:nvGrpSpPr>
+      <p:grpSpPr>
+        <a:xfrm>
+          <a:off x="0" y="0"/>
+          <a:ext cx="0" cy="0"/>
+          <a:chOff x="0" y="0"/>
+          <a:chExt cx="0" cy="0"/>
+        </a:xfrm>
+      </p:grpSpPr>
+      <p:sp>
+        <p:nvSpPr>
+          <p:cNvPr id="2" name="Title 1"/>
+          <p:cNvSpPr>
+            <a:spLocks noGrp="1"/>
+          </p:cNvSpPr>
+          <p:nvPr>
+            <p:ph type="title"/>
+          </p:nvPr>
+        </p:nvSpPr>
+        <p:spPr/>
+        <p:txBody>
+          <a:bodyPr>
+            <a:normAutofit fontScale="90000"/>
+          </a:bodyPr>
+          <a:lstStyle/>
+          <a:p>
+            <a:r>
+              <a:rPr lang="en-CA" dirty="0" smtClean="0"/>
+              <a:t>The user has the most control when two of these ideas are implemented together</a:t>
+            </a:r>
+            <a:endParaRPr lang="en-CA" dirty="0"/>
+          </a:p>
+        </p:txBody>
+      </p:sp>
+      <p:sp>
+        <p:nvSpPr>
+          <p:cNvPr id="3" name="Content Placeholder 2"/>
+          <p:cNvSpPr>
+            <a:spLocks noGrp="1"/>
+          </p:cNvSpPr>
+          <p:nvPr>
+            <p:ph idx="1"/>
+          </p:nvPr>
+        </p:nvSpPr>
+        <p:spPr/>
+        <p:txBody>
+          <a:bodyPr/>
+          <a:lstStyle/>
+          <a:p>
+            <a:endParaRPr lang="en-CA" dirty="0"/>
+          </a:p>
+        </p:txBody>
+      </p:sp>
+      <p:pic>
+        <p:nvPicPr>
+          <p:cNvPr id="4" name="Picture 3"/>
+          <p:cNvPicPr/>
+          <p:nvPr/>
+        </p:nvPicPr>
+        <p:blipFill>
+          <a:blip r:embed="rId2">
+            <a:extLst>
+              <a:ext uri="{28A0092B-C50C-407E-A947-70E740481C1C}">
+                <a14:useLocalDpi xmlns:a14="http://schemas.microsoft.com/office/drawing/2010/main" val="0"/>
+              </a:ext>
+            </a:extLst>
+          </a:blip>
+          <a:srcRect/>
+          <a:stretch>
+            <a:fillRect/>
+          </a:stretch>
+        </p:blipFill>
+        <p:spPr bwMode="auto">
+          <a:xfrm>
+            <a:off x="1261872" y="1828799"/>
+            <a:ext cx="8595360" cy="4351337"/>
+          </a:xfrm>
+          <a:prstGeom prst="rect">
+            <a:avLst/>
+          </a:prstGeom>
+          <a:noFill/>
+          <a:ln>
+            <a:noFill/>
+          </a:ln>
+        </p:spPr>
+      </p:pic>
+    </p:spTree>
+    <p:extLst>
+      <p:ext uri="{BB962C8B-B14F-4D97-AF65-F5344CB8AC3E}">
+        <p14:creationId xmlns:p14="http://schemas.microsoft.com/office/powerpoint/2010/main" val="2618094333"/>
+      </p:ext>
+    </p:extLst>
+  </p:cSld>
+  <p:clrMapOvr>
+    <a:masterClrMapping/>
+  </p:clrMapOvr>
+</p:sld>
+</file>
+
+<file path=ppt/slides/slide17.xml><?xml version="1.0" encoding="utf-8"?>
+<p:sld xmlns:a="http://schemas.openxmlformats.org/drawingml/2006/main" xmlns:r="http://schemas.openxmlformats.org/officeDocument/2006/relationships" xmlns:p="http://schemas.openxmlformats.org/presentationml/2006/main">
+  <p:cSld>
+    <p:spTree>
+      <p:nvGrpSpPr>
+        <p:cNvPr id="1" name=""/>
+        <p:cNvGrpSpPr/>
+        <p:nvPr/>
+      </p:nvGrpSpPr>
+      <p:grpSpPr>
+        <a:xfrm>
+          <a:off x="0" y="0"/>
+          <a:ext cx="0" cy="0"/>
+          <a:chOff x="0" y="0"/>
+          <a:chExt cx="0" cy="0"/>
+        </a:xfrm>
+      </p:grpSpPr>
+      <p:sp>
+        <p:nvSpPr>
+          <p:cNvPr id="2" name="Title 1"/>
+          <p:cNvSpPr>
+            <a:spLocks noGrp="1"/>
+          </p:cNvSpPr>
+          <p:nvPr>
+            <p:ph type="title"/>
+          </p:nvPr>
+        </p:nvSpPr>
+        <p:spPr/>
+        <p:txBody>
+          <a:bodyPr/>
+          <a:lstStyle/>
+          <a:p>
+            <a:r>
+              <a:rPr lang="en-CA" dirty="0" smtClean="0"/>
+              <a:t>Precautionary Note</a:t>
+            </a:r>
+            <a:endParaRPr lang="en-CA" dirty="0"/>
+          </a:p>
+        </p:txBody>
+      </p:sp>
+      <p:sp>
+        <p:nvSpPr>
+          <p:cNvPr id="3" name="Content Placeholder 2"/>
+          <p:cNvSpPr>
+            <a:spLocks noGrp="1"/>
+          </p:cNvSpPr>
+          <p:nvPr>
+            <p:ph idx="1"/>
+          </p:nvPr>
+        </p:nvSpPr>
+        <p:spPr/>
+        <p:txBody>
+          <a:bodyPr/>
+          <a:lstStyle/>
+          <a:p>
+            <a:r>
+              <a:rPr lang="en-CA" dirty="0" smtClean="0"/>
+              <a:t>Model reliant on a completely random initialization</a:t>
+            </a:r>
+          </a:p>
+          <a:p>
+            <a:pPr lvl="1"/>
+            <a:r>
+              <a:rPr lang="en-CA" dirty="0" smtClean="0"/>
+              <a:t>Each iteration will have different results</a:t>
+            </a:r>
+          </a:p>
+          <a:p>
+            <a:pPr lvl="1"/>
+            <a:r>
+              <a:rPr lang="en-CA" dirty="0" smtClean="0"/>
+              <a:t>User and movie features may be completely different</a:t>
+            </a:r>
+          </a:p>
+          <a:p>
+            <a:pPr lvl="1"/>
+            <a:r>
+              <a:rPr lang="en-CA" dirty="0" smtClean="0"/>
+              <a:t>Trickles down to determination of  distances between movies making it volatile</a:t>
+            </a:r>
+          </a:p>
+          <a:p>
+            <a:pPr lvl="1"/>
+            <a:r>
+              <a:rPr lang="en-CA" dirty="0" smtClean="0"/>
+              <a:t>Predicted ratings stay more consistent across iterations</a:t>
+            </a:r>
+          </a:p>
+          <a:p>
+            <a:endParaRPr lang="en-CA" dirty="0"/>
+          </a:p>
+          <a:p>
+            <a:r>
+              <a:rPr lang="en-CA" dirty="0" smtClean="0"/>
+              <a:t>Pseudo-random initialization would address volatility</a:t>
+            </a:r>
+          </a:p>
+          <a:p>
+            <a:pPr lvl="1"/>
+            <a:r>
+              <a:rPr lang="en-CA" dirty="0" smtClean="0"/>
+              <a:t>Unsuitable for model optimization</a:t>
+            </a:r>
+            <a:r>
+              <a:rPr lang="en-CA" dirty="0"/>
+              <a:t> </a:t>
+            </a:r>
+            <a:r>
+              <a:rPr lang="en-CA" dirty="0" smtClean="0"/>
+              <a:t>and reporting performance</a:t>
+            </a:r>
+          </a:p>
+        </p:txBody>
+      </p:sp>
+    </p:spTree>
+    <p:extLst>
+      <p:ext uri="{BB962C8B-B14F-4D97-AF65-F5344CB8AC3E}">
+        <p14:creationId xmlns:p14="http://schemas.microsoft.com/office/powerpoint/2010/main" val="1579815640"/>
+      </p:ext>
+    </p:extLst>
+  </p:cSld>
+  <p:clrMapOvr>
+    <a:masterClrMapping/>
+  </p:clrMapOvr>
+</p:sld>
+</file>
+
+<file path=ppt/slides/slide18.xml><?xml version="1.0" encoding="utf-8"?>
+<p:sld xmlns:a="http://schemas.openxmlformats.org/drawingml/2006/main" xmlns:r="http://schemas.openxmlformats.org/officeDocument/2006/relationships" xmlns:p="http://schemas.openxmlformats.org/presentationml/2006/main">
+  <p:cSld>
+    <p:spTree>
+      <p:nvGrpSpPr>
+        <p:cNvPr id="1" name=""/>
+        <p:cNvGrpSpPr/>
+        <p:nvPr/>
+      </p:nvGrpSpPr>
+      <p:grpSpPr>
+        <a:xfrm>
+          <a:off x="0" y="0"/>
+          <a:ext cx="0" cy="0"/>
+          <a:chOff x="0" y="0"/>
+          <a:chExt cx="0" cy="0"/>
+        </a:xfrm>
+      </p:grpSpPr>
+      <p:sp>
+        <p:nvSpPr>
+          <p:cNvPr id="2" name="Title 1"/>
+          <p:cNvSpPr>
+            <a:spLocks noGrp="1"/>
+          </p:cNvSpPr>
+          <p:nvPr>
+            <p:ph type="title"/>
+          </p:nvPr>
+        </p:nvSpPr>
+        <p:spPr/>
+        <p:txBody>
+          <a:bodyPr/>
+          <a:lstStyle/>
+          <a:p>
+            <a:r>
+              <a:rPr lang="en-CA" dirty="0" smtClean="0"/>
+              <a:t>Next Steps</a:t>
+            </a:r>
+            <a:endParaRPr lang="en-CA" dirty="0"/>
+          </a:p>
+        </p:txBody>
+      </p:sp>
+      <p:sp>
+        <p:nvSpPr>
+          <p:cNvPr id="3" name="Content Placeholder 2"/>
+          <p:cNvSpPr>
+            <a:spLocks noGrp="1"/>
+          </p:cNvSpPr>
+          <p:nvPr>
+            <p:ph idx="1"/>
+          </p:nvPr>
+        </p:nvSpPr>
+        <p:spPr/>
+        <p:txBody>
+          <a:bodyPr/>
+          <a:lstStyle/>
+          <a:p>
+            <a:r>
+              <a:rPr lang="en-CA" dirty="0" smtClean="0"/>
+              <a:t>Train model using the Full data set rather than the Small data set</a:t>
+            </a:r>
+          </a:p>
+          <a:p>
+            <a:pPr lvl="1"/>
+            <a:r>
+              <a:rPr lang="en-CA" dirty="0" smtClean="0"/>
+              <a:t>Processing power and time constraints made this unviable</a:t>
+            </a:r>
+          </a:p>
+          <a:p>
+            <a:pPr lvl="1"/>
+            <a:r>
+              <a:rPr lang="en-CA" dirty="0" smtClean="0"/>
+              <a:t>Mini-batch and stochastic processes take much longer to optimize and train</a:t>
+            </a:r>
+            <a:endParaRPr lang="en-CA" dirty="0"/>
+          </a:p>
+        </p:txBody>
+      </p:sp>
+    </p:spTree>
+    <p:extLst>
+      <p:ext uri="{BB962C8B-B14F-4D97-AF65-F5344CB8AC3E}">
+        <p14:creationId xmlns:p14="http://schemas.microsoft.com/office/powerpoint/2010/main" val="1604272945"/>
       </p:ext>
     </p:extLst>
   </p:cSld>
@@ -3638,12 +4607,26 @@
         </p:nvSpPr>
         <p:spPr/>
         <p:txBody>
-          <a:bodyPr/>
-          <a:lstStyle/>
-          <a:p>
-            <a:r>
-              <a:rPr lang="en-CA" dirty="0" smtClean="0"/>
-              <a:t>Motivations for Building a Movie Recommender System</a:t>
+          <a:bodyPr>
+            <a:normAutofit fontScale="90000"/>
+          </a:bodyPr>
+          <a:lstStyle/>
+          <a:p>
+            <a:r>
+              <a:rPr lang="en-CA" dirty="0" smtClean="0"/>
+              <a:t>Motivations for Building a </a:t>
+            </a:r>
+            <a:r>
+              <a:rPr lang="en-CA" dirty="0" smtClean="0"/>
+              <a:t>Customizable </a:t>
+            </a:r>
+            <a:r>
+              <a:rPr lang="en-CA" dirty="0" smtClean="0"/>
+              <a:t>Movie </a:t>
+            </a:r>
+            <a:r>
+              <a:rPr lang="en-CA" dirty="0" smtClean="0"/>
+              <a:t>Recommender System</a:t>
             </a:r>
             <a:endParaRPr lang="en-CA" dirty="0"/>
           </a:p>
@@ -3661,18 +4644,38 @@
         </p:nvSpPr>
         <p:spPr/>
         <p:txBody>
-          <a:bodyPr/>
-          <a:lstStyle/>
-          <a:p>
-            <a:r>
-              <a:rPr lang="en-CA" dirty="0" smtClean="0"/>
-              <a:t>Generate movie recommendations for the general public</a:t>
-            </a:r>
-          </a:p>
-          <a:p>
+          <a:bodyPr>
+            <a:normAutofit fontScale="92500" lnSpcReduction="10000"/>
+          </a:bodyPr>
+          <a:lstStyle/>
+          <a:p>
+            <a:r>
+              <a:rPr lang="en-CA" dirty="0" smtClean="0"/>
+              <a:t>Existing services don’t give users freedom or control beyond providing ratings</a:t>
+            </a:r>
+          </a:p>
+          <a:p>
+            <a:endParaRPr lang="en-CA" dirty="0"/>
+          </a:p>
+          <a:p>
+            <a:r>
+              <a:rPr lang="en-CA" dirty="0" smtClean="0"/>
+              <a:t>Convey movie recommendations to the </a:t>
+            </a:r>
+            <a:r>
+              <a:rPr lang="en-CA" dirty="0" smtClean="0"/>
+              <a:t>general </a:t>
+            </a:r>
+            <a:r>
+              <a:rPr lang="en-CA" dirty="0" smtClean="0"/>
+              <a:t>public with their active input</a:t>
+            </a:r>
             <a:endParaRPr lang="en-CA" dirty="0" smtClean="0"/>
           </a:p>
           <a:p>
+            <a:endParaRPr lang="en-CA" dirty="0" smtClean="0"/>
+          </a:p>
+          <a:p>
             <a:r>
               <a:rPr lang="en-CA" dirty="0" smtClean="0"/>
               <a:t>Direct consumer awareness and spending towards products they would appreciate or enjoy</a:t>
@@ -3684,28 +4687,64 @@
           <a:p>
             <a:r>
               <a:rPr lang="en-CA" dirty="0" smtClean="0"/>
-              <a:t>Outside the context of movie recommendations, such a system has a high potential impact across a variety of industries</a:t>
+              <a:t>Outside the context of movie recommendations, </a:t>
+            </a:r>
+            <a:r>
+              <a:rPr lang="en-CA" dirty="0" smtClean="0"/>
+              <a:t>recommender</a:t>
+            </a:r>
+            <a:r>
+              <a:rPr lang="en-CA" dirty="0" smtClean="0"/>
+              <a:t> systems have </a:t>
+            </a:r>
+            <a:r>
+              <a:rPr lang="en-CA" dirty="0" smtClean="0"/>
+              <a:t>a high potential impact across a variety of industries</a:t>
             </a:r>
           </a:p>
           <a:p>
             <a:pPr lvl="1"/>
             <a:r>
-              <a:rPr lang="en-CA" dirty="0" smtClean="0"/>
-              <a:t>Recommend products in online retail</a:t>
+              <a:rPr lang="en-CA" dirty="0"/>
+              <a:t>O</a:t>
+            </a:r>
+            <a:r>
+              <a:rPr lang="en-CA" dirty="0" smtClean="0"/>
+              <a:t>nline </a:t>
+            </a:r>
+            <a:r>
+              <a:rPr lang="en-CA" dirty="0" smtClean="0"/>
+              <a:t>retail</a:t>
             </a:r>
           </a:p>
           <a:p>
             <a:pPr lvl="1"/>
             <a:r>
               <a:rPr lang="en-CA" dirty="0" smtClean="0"/>
-              <a:t>Recommend entertainment (movies, TV, books, video games)</a:t>
+              <a:t>Other</a:t>
+            </a:r>
+            <a:r>
+              <a:rPr lang="en-CA" dirty="0" smtClean="0"/>
+              <a:t> </a:t>
+            </a:r>
+            <a:r>
+              <a:rPr lang="en-CA" dirty="0" smtClean="0"/>
+              <a:t>entertainment (movies, TV, books, video games)</a:t>
             </a:r>
           </a:p>
           <a:p>
             <a:pPr lvl="1"/>
             <a:r>
-              <a:rPr lang="en-CA" dirty="0" smtClean="0"/>
-              <a:t>Recommend travel destinations</a:t>
+              <a:rPr lang="en-CA" dirty="0"/>
+              <a:t>T</a:t>
+            </a:r>
+            <a:r>
+              <a:rPr lang="en-CA" dirty="0" smtClean="0"/>
+              <a:t>ravel </a:t>
+            </a:r>
+            <a:r>
+              <a:rPr lang="en-CA" dirty="0" smtClean="0"/>
+              <a:t>destinations</a:t>
             </a:r>
             <a:endParaRPr lang="en-CA" dirty="0"/>
           </a:p>
@@ -3884,7 +4923,11 @@
           <a:p>
             <a:r>
               <a:rPr lang="en-CA" dirty="0" smtClean="0"/>
-              <a:t>The odd distribution is due to a late implementation of half-star ratings.</a:t>
+              <a:t>The odd distribution is due to a late implementation of half-star </a:t>
+            </a:r>
+            <a:r>
+              <a:rPr lang="en-CA" dirty="0" smtClean="0"/>
+              <a:t>ratings</a:t>
             </a:r>
             <a:endParaRPr lang="en-CA" dirty="0"/>
           </a:p>
@@ -4030,7 +5073,11 @@
           <a:p>
             <a:r>
               <a:rPr lang="en-CA" dirty="0" smtClean="0"/>
-              <a:t>The left-skewed rating distribution persists regardless of  movie genre.</a:t>
+              <a:t>The left-skewed rating distribution persists regardless of  movie </a:t>
+            </a:r>
+            <a:r>
+              <a:rPr lang="en-CA" dirty="0" smtClean="0"/>
+              <a:t>genre</a:t>
             </a:r>
             <a:endParaRPr lang="en-CA" dirty="0"/>
           </a:p>
@@ -5599,7 +6646,23 @@
           <a:p>
             <a:r>
               <a:rPr lang="en-CA" dirty="0" smtClean="0"/>
-              <a:t>Genre overlap could be used to complement movie recommendations.</a:t>
+              <a:t>Genre overlap </a:t>
+            </a:r>
+            <a:r>
+              <a:rPr lang="en-CA" dirty="0" smtClean="0"/>
+              <a:t>will</a:t>
+            </a:r>
+            <a:r>
+              <a:rPr lang="en-CA" dirty="0" smtClean="0"/>
+              <a:t> </a:t>
+            </a:r>
+            <a:r>
+              <a:rPr lang="en-CA" dirty="0" smtClean="0"/>
+              <a:t>be used to complement movie </a:t>
+            </a:r>
+            <a:r>
+              <a:rPr lang="en-CA" dirty="0" smtClean="0"/>
+              <a:t>recommendations</a:t>
             </a:r>
             <a:endParaRPr lang="en-CA" dirty="0"/>
           </a:p>
@@ -5718,39 +6781,9 @@
           <a:chExt cx="0" cy="0"/>
         </a:xfrm>
       </p:grpSpPr>
-      <p:sp>
-        <p:nvSpPr>
-          <p:cNvPr id="2" name="Title 1"/>
-          <p:cNvSpPr>
-            <a:spLocks noGrp="1"/>
-          </p:cNvSpPr>
-          <p:nvPr>
-            <p:ph type="title"/>
-          </p:nvPr>
-        </p:nvSpPr>
-        <p:spPr>
-          <a:xfrm>
-            <a:off x="1261872" y="365760"/>
-            <a:ext cx="9692640" cy="2009795"/>
-          </a:xfrm>
-        </p:spPr>
-        <p:txBody>
-          <a:bodyPr>
-            <a:normAutofit/>
-          </a:bodyPr>
-          <a:lstStyle/>
-          <a:p>
-            <a:r>
-              <a:rPr lang="en-CA" dirty="0" smtClean="0"/>
-              <a:t>Optimized model reduces RMSE by 7.41% in comparison to predicting the movie’s average rating</a:t>
-            </a:r>
-            <a:endParaRPr lang="en-CA" dirty="0"/>
-          </a:p>
-        </p:txBody>
-      </p:sp>
       <p:pic>
         <p:nvPicPr>
-          <p:cNvPr id="8" name="Picture 7"/>
+          <p:cNvPr id="17" name="Picture 16"/>
           <p:cNvPicPr/>
           <p:nvPr/>
         </p:nvPicPr>
@@ -5769,8 +6802,8 @@
         </p:blipFill>
         <p:spPr bwMode="auto">
           <a:xfrm>
-            <a:off x="1146457" y="2669081"/>
-            <a:ext cx="3017520" cy="4046220"/>
+            <a:off x="4326079" y="2651891"/>
+            <a:ext cx="2795870" cy="2788842"/>
           </a:xfrm>
           <a:prstGeom prst="rect">
             <a:avLst/>
@@ -5781,39 +6814,44 @@
           </a:ln>
         </p:spPr>
       </p:pic>
-      <p:pic>
-        <p:nvPicPr>
-          <p:cNvPr id="9" name="Picture 8"/>
-          <p:cNvPicPr/>
-          <p:nvPr/>
-        </p:nvPicPr>
-        <p:blipFill>
-          <a:blip r:embed="rId3">
-            <a:extLst>
-              <a:ext uri="{28A0092B-C50C-407E-A947-70E740481C1C}">
-                <a14:useLocalDpi xmlns:a14="http://schemas.microsoft.com/office/drawing/2010/main" val="0"/>
-              </a:ext>
-            </a:extLst>
-          </a:blip>
-          <a:srcRect/>
-          <a:stretch>
-            <a:fillRect/>
-          </a:stretch>
-        </p:blipFill>
-        <p:spPr bwMode="auto">
+      <p:sp>
+        <p:nvSpPr>
+          <p:cNvPr id="2" name="Title 1"/>
+          <p:cNvSpPr>
+            <a:spLocks noGrp="1"/>
+          </p:cNvSpPr>
+          <p:nvPr>
+            <p:ph type="title"/>
+          </p:nvPr>
+        </p:nvSpPr>
+        <p:spPr>
           <a:xfrm>
-            <a:off x="4340847" y="2669081"/>
-            <a:ext cx="2792951" cy="2807892"/>
+            <a:off x="1261872" y="365760"/>
+            <a:ext cx="9692640" cy="2009795"/>
           </a:xfrm>
-          <a:prstGeom prst="rect">
-            <a:avLst/>
-          </a:prstGeom>
-          <a:noFill/>
-          <a:ln>
-            <a:noFill/>
-          </a:ln>
         </p:spPr>
-      </p:pic>
+        <p:txBody>
+          <a:bodyPr>
+            <a:normAutofit/>
+          </a:bodyPr>
+          <a:lstStyle/>
+          <a:p>
+            <a:r>
+              <a:rPr lang="en-CA" dirty="0" smtClean="0"/>
+              <a:t>Optimized model reduces RMSE by </a:t>
+            </a:r>
+            <a:r>
+              <a:rPr lang="en-CA" dirty="0" smtClean="0"/>
+              <a:t>7.85% </a:t>
+            </a:r>
+            <a:r>
+              <a:rPr lang="en-CA" dirty="0" smtClean="0"/>
+              <a:t>in comparison to predicting the movie’s average rating</a:t>
+            </a:r>
+            <a:endParaRPr lang="en-CA" dirty="0"/>
+          </a:p>
+        </p:txBody>
+      </p:sp>
       <p:sp>
         <p:nvSpPr>
           <p:cNvPr id="10" name="TextBox 9"/>
@@ -5888,54 +6926,6 @@
           </a:p>
         </p:txBody>
       </p:sp>
-      <p:pic>
-        <p:nvPicPr>
-          <p:cNvPr id="13" name="Picture 12"/>
-          <p:cNvPicPr>
-            <a:picLocks noChangeAspect="1"/>
-          </p:cNvPicPr>
-          <p:nvPr/>
-        </p:nvPicPr>
-        <p:blipFill>
-          <a:blip r:embed="rId4"/>
-          <a:stretch>
-            <a:fillRect/>
-          </a:stretch>
-        </p:blipFill>
-        <p:spPr>
-          <a:xfrm>
-            <a:off x="8129440" y="3062878"/>
-            <a:ext cx="1948510" cy="1158573"/>
-          </a:xfrm>
-          <a:prstGeom prst="rect">
-            <a:avLst/>
-          </a:prstGeom>
-        </p:spPr>
-      </p:pic>
-      <p:pic>
-        <p:nvPicPr>
-          <p:cNvPr id="14" name="Picture 13"/>
-          <p:cNvPicPr>
-            <a:picLocks noChangeAspect="1"/>
-          </p:cNvPicPr>
-          <p:nvPr/>
-        </p:nvPicPr>
-        <p:blipFill>
-          <a:blip r:embed="rId5"/>
-          <a:stretch>
-            <a:fillRect/>
-          </a:stretch>
-        </p:blipFill>
-        <p:spPr>
-          <a:xfrm>
-            <a:off x="8133503" y="5742157"/>
-            <a:ext cx="1944448" cy="234437"/>
-          </a:xfrm>
-          <a:prstGeom prst="rect">
-            <a:avLst/>
-          </a:prstGeom>
-        </p:spPr>
-      </p:pic>
       <p:sp>
         <p:nvSpPr>
           <p:cNvPr id="15" name="TextBox 14"/>
@@ -5988,7 +6978,7 @@
         </p:nvSpPr>
         <p:spPr>
           <a:xfrm>
-            <a:off x="6429080" y="4072379"/>
+            <a:off x="6445512" y="4068150"/>
             <a:ext cx="704718" cy="149072"/>
           </a:xfrm>
           <a:prstGeom prst="roundRect">
@@ -6026,6 +7016,87 @@
           </a:p>
         </p:txBody>
       </p:sp>
+      <p:pic>
+        <p:nvPicPr>
+          <p:cNvPr id="11" name="Picture 10"/>
+          <p:cNvPicPr/>
+          <p:nvPr/>
+        </p:nvPicPr>
+        <p:blipFill>
+          <a:blip r:embed="rId3">
+            <a:extLst>
+              <a:ext uri="{28A0092B-C50C-407E-A947-70E740481C1C}">
+                <a14:useLocalDpi xmlns:a14="http://schemas.microsoft.com/office/drawing/2010/main" val="0"/>
+              </a:ext>
+            </a:extLst>
+          </a:blip>
+          <a:srcRect/>
+          <a:stretch>
+            <a:fillRect/>
+          </a:stretch>
+        </p:blipFill>
+        <p:spPr bwMode="auto">
+          <a:xfrm>
+            <a:off x="1261872" y="2688131"/>
+            <a:ext cx="2902105" cy="4027170"/>
+          </a:xfrm>
+          <a:prstGeom prst="rect">
+            <a:avLst/>
+          </a:prstGeom>
+          <a:noFill/>
+          <a:ln>
+            <a:noFill/>
+          </a:ln>
+        </p:spPr>
+      </p:pic>
+      <p:pic>
+        <p:nvPicPr>
+          <p:cNvPr id="3" name="Picture 2"/>
+          <p:cNvPicPr>
+            <a:picLocks noChangeAspect="1"/>
+          </p:cNvPicPr>
+          <p:nvPr/>
+        </p:nvPicPr>
+        <p:blipFill>
+          <a:blip r:embed="rId4"/>
+          <a:stretch>
+            <a:fillRect/>
+          </a:stretch>
+        </p:blipFill>
+        <p:spPr>
+          <a:xfrm>
+            <a:off x="8129441" y="3021928"/>
+            <a:ext cx="1948510" cy="1128085"/>
+          </a:xfrm>
+          <a:prstGeom prst="rect">
+            <a:avLst/>
+          </a:prstGeom>
+        </p:spPr>
+      </p:pic>
+      <p:pic>
+        <p:nvPicPr>
+          <p:cNvPr id="4" name="Picture 3"/>
+          <p:cNvPicPr>
+            <a:picLocks noChangeAspect="1"/>
+          </p:cNvPicPr>
+          <p:nvPr/>
+        </p:nvPicPr>
+        <p:blipFill>
+          <a:blip r:embed="rId5"/>
+          <a:stretch>
+            <a:fillRect/>
+          </a:stretch>
+        </p:blipFill>
+        <p:spPr>
+          <a:xfrm>
+            <a:off x="8129441" y="5733141"/>
+            <a:ext cx="1948510" cy="268760"/>
+          </a:xfrm>
+          <a:prstGeom prst="rect">
+            <a:avLst/>
+          </a:prstGeom>
+        </p:spPr>
+      </p:pic>
     </p:spTree>
     <p:extLst>
       <p:ext uri="{BB962C8B-B14F-4D97-AF65-F5344CB8AC3E}">
@@ -6066,35 +7137,45 @@
             <p:ph type="title"/>
           </p:nvPr>
         </p:nvSpPr>
-        <p:spPr>
-          <a:xfrm>
-            <a:off x="1261872" y="365759"/>
-            <a:ext cx="9692640" cy="1915527"/>
-          </a:xfrm>
-        </p:spPr>
+        <p:spPr/>
         <p:txBody>
           <a:bodyPr>
-            <a:normAutofit/>
+            <a:normAutofit fontScale="90000"/>
           </a:bodyPr>
           <a:lstStyle/>
           <a:p>
             <a:r>
               <a:rPr lang="en-CA" dirty="0" smtClean="0"/>
-              <a:t>The system can now produce a list of recommended movies similar to a target movie.</a:t>
-            </a:r>
+              <a:t>The model can now recommend movies based on ratings a user has supplied</a:t>
+            </a:r>
+            <a:endParaRPr lang="en-CA" dirty="0"/>
+          </a:p>
+        </p:txBody>
+      </p:sp>
+      <p:sp>
+        <p:nvSpPr>
+          <p:cNvPr id="3" name="Content Placeholder 2"/>
+          <p:cNvSpPr>
+            <a:spLocks noGrp="1"/>
+          </p:cNvSpPr>
+          <p:nvPr>
+            <p:ph idx="1"/>
+          </p:nvPr>
+        </p:nvSpPr>
+        <p:spPr/>
+        <p:txBody>
+          <a:bodyPr/>
+          <a:lstStyle/>
+          <a:p>
             <a:endParaRPr lang="en-CA" dirty="0"/>
           </a:p>
         </p:txBody>
       </p:sp>
       <p:pic>
         <p:nvPicPr>
-          <p:cNvPr id="4" name="Content Placeholder 3"/>
-          <p:cNvPicPr>
-            <a:picLocks noGrp="1"/>
-          </p:cNvPicPr>
-          <p:nvPr>
-            <p:ph idx="1"/>
-          </p:nvPr>
+          <p:cNvPr id="5" name="Picture 4"/>
+          <p:cNvPicPr/>
+          <p:nvPr/>
         </p:nvPicPr>
         <p:blipFill>
           <a:blip r:embed="rId2">
@@ -6111,8 +7192,8 @@
         </p:blipFill>
         <p:spPr bwMode="auto">
           <a:xfrm>
-            <a:off x="1261872" y="2281286"/>
-            <a:ext cx="9692640" cy="4053526"/>
+            <a:off x="1261872" y="1828799"/>
+            <a:ext cx="8595360" cy="4351338"/>
           </a:xfrm>
           <a:prstGeom prst="rect">
             <a:avLst/>
@@ -6126,7 +7207,7 @@
     </p:spTree>
     <p:extLst>
       <p:ext uri="{BB962C8B-B14F-4D97-AF65-F5344CB8AC3E}">
-        <p14:creationId xmlns:p14="http://schemas.microsoft.com/office/powerpoint/2010/main" val="3820310175"/>
+        <p14:creationId xmlns:p14="http://schemas.microsoft.com/office/powerpoint/2010/main" val="958607894"/>
       </p:ext>
     </p:extLst>
   </p:cSld>
@@ -6169,10 +7250,17 @@
           <a:lstStyle/>
           <a:p>
             <a:r>
-              <a:rPr lang="en-CA" dirty="0" smtClean="0"/>
-              <a:t>Or, it can recommend movies based on ratings a user has supplied.</a:t>
-            </a:r>
-            <a:endParaRPr lang="en-CA" dirty="0"/>
+              <a:rPr lang="en-CA" dirty="0"/>
+              <a:t>Or, </a:t>
+            </a:r>
+            <a:r>
+              <a:rPr lang="en-CA" dirty="0" smtClean="0"/>
+              <a:t>it </a:t>
+            </a:r>
+            <a:r>
+              <a:rPr lang="en-CA" dirty="0"/>
+              <a:t>can recommend movies similar to a target movie</a:t>
+            </a:r>
           </a:p>
         </p:txBody>
       </p:sp>
@@ -6191,7 +7279,7 @@
           <a:bodyPr/>
           <a:lstStyle/>
           <a:p>
-            <a:endParaRPr lang="en-CA" dirty="0"/>
+            <a:endParaRPr lang="en-CA"/>
           </a:p>
         </p:txBody>
       </p:sp>
@@ -6231,7 +7319,7 @@
     </p:spTree>
     <p:extLst>
       <p:ext uri="{BB962C8B-B14F-4D97-AF65-F5344CB8AC3E}">
-        <p14:creationId xmlns:p14="http://schemas.microsoft.com/office/powerpoint/2010/main" val="958607894"/>
+        <p14:creationId xmlns:p14="http://schemas.microsoft.com/office/powerpoint/2010/main" val="1694751193"/>
       </p:ext>
     </p:extLst>
   </p:cSld>
